--- a/DictionaryLearning.pptx
+++ b/DictionaryLearning.pptx
@@ -107,6 +107,11 @@
       </a:defRPr>
     </a:lvl9pPr>
   </p:defaultTextStyle>
+  <p:extLst>
+    <p:ext uri="{EFAFB233-063F-42B5-8137-9DF3F51BA10A}">
+      <p15:sldGuideLst xmlns:p15="http://schemas.microsoft.com/office/powerpoint/2012/main"/>
+    </p:ext>
+  </p:extLst>
 </p:presentation>
 </file>
 
@@ -3128,15 +3133,7 @@
                     <a:srgbClr val="FF0000"/>
                   </a:solidFill>
                 </a:rPr>
-                <a:t>y1             …….             </a:t>
-              </a:r>
-              <a:r>
-                <a:rPr lang="en-US" altLang="zh-CN" sz="1400" dirty="0" smtClean="0">
-                  <a:solidFill>
-                    <a:srgbClr val="FF0000"/>
-                  </a:solidFill>
-                </a:rPr>
-                <a:t>y6</a:t>
+                <a:t>y1             …….             y6</a:t>
               </a:r>
               <a:endParaRPr lang="zh-CN" altLang="en-US" sz="1400" dirty="0" smtClean="0">
                 <a:solidFill>
@@ -4661,14 +4658,7 @@
                   <a:latin typeface="黑体" panose="02010609060101010101" pitchFamily="49" charset="-122"/>
                   <a:ea typeface="黑体" panose="02010609060101010101" pitchFamily="49" charset="-122"/>
                 </a:rPr>
-                <a:t>res</a:t>
-              </a:r>
-              <a:r>
-                <a:rPr lang="en-US" altLang="zh-CN" dirty="0" smtClean="0">
-                  <a:latin typeface="黑体" panose="02010609060101010101" pitchFamily="49" charset="-122"/>
-                  <a:ea typeface="黑体" panose="02010609060101010101" pitchFamily="49" charset="-122"/>
-                </a:rPr>
-                <a:t>=y1-b*d2</a:t>
+                <a:t>res=y1-b*d2</a:t>
               </a:r>
               <a:endParaRPr lang="en-US" altLang="zh-CN" dirty="0">
                 <a:latin typeface="黑体" panose="02010609060101010101" pitchFamily="49" charset="-122"/>
@@ -4765,17 +4755,7 @@
                   <a:latin typeface="黑体" panose="02010609060101010101" pitchFamily="49" charset="-122"/>
                   <a:ea typeface="黑体" panose="02010609060101010101" pitchFamily="49" charset="-122"/>
                 </a:rPr>
-                <a:t>D</a:t>
-              </a:r>
-              <a:r>
-                <a:rPr lang="en-US" altLang="zh-CN" sz="1400" dirty="0" smtClean="0">
-                  <a:solidFill>
-                    <a:srgbClr val="FF0000"/>
-                  </a:solidFill>
-                  <a:latin typeface="黑体" panose="02010609060101010101" pitchFamily="49" charset="-122"/>
-                  <a:ea typeface="黑体" panose="02010609060101010101" pitchFamily="49" charset="-122"/>
-                </a:rPr>
-                <a:t>(:,2)=0 </a:t>
+                <a:t>D(:,2)=0 </a:t>
               </a:r>
             </a:p>
             <a:p>
@@ -4819,13 +4799,6 @@
                 </a:rPr>
                 <a:t>2.2</a:t>
               </a:r>
-              <a:endParaRPr lang="en-US" altLang="zh-CN" sz="1400" dirty="0" smtClean="0">
-                <a:solidFill>
-                  <a:srgbClr val="7030A0"/>
-                </a:solidFill>
-                <a:latin typeface="黑体" panose="02010609060101010101" pitchFamily="49" charset="-122"/>
-                <a:ea typeface="黑体" panose="02010609060101010101" pitchFamily="49" charset="-122"/>
-              </a:endParaRPr>
             </a:p>
           </p:txBody>
         </p:sp>
@@ -6913,11 +6886,6 @@
                 </a:rPr>
                 <a:t> </a:t>
               </a:r>
-              <a:endParaRPr lang="zh-CN" altLang="en-US" sz="1400" dirty="0">
-                <a:solidFill>
-                  <a:srgbClr val="0070C0"/>
-                </a:solidFill>
-              </a:endParaRPr>
             </a:p>
           </p:txBody>
         </p:sp>
@@ -8539,15 +8507,7 @@
                   <a:srgbClr val="00B050"/>
                 </a:solidFill>
               </a:rPr>
-              <a:t>test1…</a:t>
-            </a:r>
-            <a:r>
-              <a:rPr lang="en-US" altLang="zh-CN" dirty="0" smtClean="0">
-                <a:solidFill>
-                  <a:srgbClr val="00B050"/>
-                </a:solidFill>
-              </a:rPr>
-              <a:t>test3</a:t>
+              <a:t>test1…test3</a:t>
             </a:r>
             <a:endParaRPr lang="zh-CN" altLang="en-US" dirty="0" smtClean="0">
               <a:solidFill>
@@ -9057,17 +9017,7 @@
                 <a:latin typeface="黑体" panose="02010609060101010101" pitchFamily="49" charset="-122"/>
                 <a:ea typeface="黑体" panose="02010609060101010101" pitchFamily="49" charset="-122"/>
               </a:rPr>
-              <a:t>跟训练集中的数据相同 </a:t>
-            </a:r>
-            <a:r>
-              <a:rPr lang="zh-CN" altLang="en-US" sz="1400" dirty="0" smtClean="0">
-                <a:solidFill>
-                  <a:srgbClr val="FF0000"/>
-                </a:solidFill>
-                <a:latin typeface="黑体" panose="02010609060101010101" pitchFamily="49" charset="-122"/>
-                <a:ea typeface="黑体" panose="02010609060101010101" pitchFamily="49" charset="-122"/>
-              </a:rPr>
-              <a:t>因此 </a:t>
+              <a:t>跟训练集中的数据相同 因此 </a:t>
             </a:r>
             <a:r>
               <a:rPr lang="zh-CN" altLang="en-US" sz="1400" dirty="0" smtClean="0">
@@ -9204,7 +9154,7 @@
         </p:nvSpPr>
         <p:spPr>
           <a:xfrm>
-            <a:off x="5297714" y="2902856"/>
+            <a:off x="5516375" y="1561073"/>
             <a:ext cx="2452915" cy="1015663"/>
           </a:xfrm>
           <a:prstGeom prst="rect">
@@ -9235,6 +9185,51 @@
               <a:latin typeface="黑体" panose="02010609060101010101" pitchFamily="49" charset="-122"/>
               <a:ea typeface="黑体" panose="02010609060101010101" pitchFamily="49" charset="-122"/>
             </a:endParaRPr>
+          </a:p>
+        </p:txBody>
+      </p:sp>
+      <p:sp>
+        <p:nvSpPr>
+          <p:cNvPr id="2" name="矩形 1"/>
+          <p:cNvSpPr/>
+          <p:nvPr/>
+        </p:nvSpPr>
+        <p:spPr>
+          <a:xfrm>
+            <a:off x="3262079" y="3284090"/>
+            <a:ext cx="7325595" cy="369332"/>
+          </a:xfrm>
+          <a:prstGeom prst="rect">
+            <a:avLst/>
+          </a:prstGeom>
+        </p:spPr>
+        <p:txBody>
+          <a:bodyPr wrap="none">
+            <a:spAutoFit/>
+          </a:bodyPr>
+          <a:lstStyle/>
+          <a:p>
+            <a:r>
+              <a:rPr lang="en-US" altLang="zh-CN" dirty="0" smtClean="0"/>
+              <a:t>PPT&amp;</a:t>
+            </a:r>
+            <a:r>
+              <a:rPr lang="zh-CN" altLang="en-US" dirty="0" smtClean="0"/>
+              <a:t>代码链接：</a:t>
+            </a:r>
+            <a:r>
+              <a:rPr lang="zh-CN" altLang="en-US" dirty="0" smtClean="0">
+                <a:hlinkClick r:id="rId2"/>
+              </a:rPr>
+              <a:t>https</a:t>
+            </a:r>
+            <a:r>
+              <a:rPr lang="zh-CN" altLang="en-US" dirty="0">
+                <a:hlinkClick r:id="rId2"/>
+              </a:rPr>
+              <a:t>://github.com/longfeizhou2016/Dictionary-learning</a:t>
+            </a:r>
+            <a:endParaRPr lang="zh-CN" altLang="en-US" dirty="0"/>
           </a:p>
         </p:txBody>
       </p:sp>

--- a/DictionaryLearning.pptx
+++ b/DictionaryLearning.pptx
@@ -6669,7 +6669,7 @@
                       <a:srgbClr val="0070C0"/>
                     </a:solidFill>
                   </a:rPr>
-                  <a:t>5x2</a:t>
+                  <a:t>2x2</a:t>
                 </a:r>
                 <a:endParaRPr lang="zh-CN" altLang="en-US" dirty="0">
                   <a:solidFill>
@@ -9109,6 +9109,75 @@
           </a:prstGeom>
         </p:spPr>
       </p:pic>
+      <p:pic>
+        <p:nvPicPr>
+          <p:cNvPr id="36" name="图片 35"/>
+          <p:cNvPicPr>
+            <a:picLocks noChangeAspect="1"/>
+          </p:cNvPicPr>
+          <p:nvPr/>
+        </p:nvPicPr>
+        <p:blipFill rotWithShape="1">
+          <a:blip r:embed="rId8"/>
+          <a:srcRect r="71434"/>
+          <a:stretch/>
+        </p:blipFill>
+        <p:spPr>
+          <a:xfrm>
+            <a:off x="2981806" y="5541352"/>
+            <a:ext cx="1787516" cy="1176998"/>
+          </a:xfrm>
+          <a:prstGeom prst="rect">
+            <a:avLst/>
+          </a:prstGeom>
+        </p:spPr>
+      </p:pic>
+      <p:sp>
+        <p:nvSpPr>
+          <p:cNvPr id="39" name="文本框 38"/>
+          <p:cNvSpPr txBox="1"/>
+          <p:nvPr/>
+        </p:nvSpPr>
+        <p:spPr>
+          <a:xfrm>
+            <a:off x="2378491" y="5356686"/>
+            <a:ext cx="521297" cy="369332"/>
+          </a:xfrm>
+          <a:prstGeom prst="rect">
+            <a:avLst/>
+          </a:prstGeom>
+          <a:noFill/>
+        </p:spPr>
+        <p:txBody>
+          <a:bodyPr wrap="none" rtlCol="0">
+            <a:spAutoFit/>
+          </a:bodyPr>
+          <a:lstStyle/>
+          <a:p>
+            <a:r>
+              <a:rPr lang="en-US" altLang="zh-CN" dirty="0" smtClean="0">
+                <a:solidFill>
+                  <a:srgbClr val="0070C0"/>
+                </a:solidFill>
+              </a:rPr>
+              <a:t>Y</a:t>
+            </a:r>
+            <a:r>
+              <a:rPr lang="en-US" altLang="zh-CN" baseline="30000" dirty="0" smtClean="0">
+                <a:solidFill>
+                  <a:srgbClr val="0070C0"/>
+                </a:solidFill>
+              </a:rPr>
+              <a:t>5x6</a:t>
+            </a:r>
+            <a:endParaRPr lang="zh-CN" altLang="en-US" dirty="0">
+              <a:solidFill>
+                <a:srgbClr val="0070C0"/>
+              </a:solidFill>
+            </a:endParaRPr>
+          </a:p>
+        </p:txBody>
+      </p:sp>
     </p:spTree>
     <p:extLst>
       <p:ext uri="{BB962C8B-B14F-4D97-AF65-F5344CB8AC3E}">

--- a/DictionaryLearning.pptx
+++ b/DictionaryLearning.pptx
@@ -4137,7 +4137,7 @@
         <p:spPr>
           <a:xfrm>
             <a:off x="1578845" y="3859995"/>
-            <a:ext cx="717213" cy="1077218"/>
+            <a:ext cx="776125" cy="1077218"/>
           </a:xfrm>
           <a:prstGeom prst="rect">
             <a:avLst/>
@@ -4156,17 +4156,15 @@
                   <a:srgbClr val="FF0000"/>
                 </a:solidFill>
               </a:rPr>
-              <a:t>d1*y1,</a:t>
-            </a:r>
-          </a:p>
-          <a:p>
+              <a:t>d1’*y1</a:t>
+            </a:r>
             <a:r>
               <a:rPr lang="en-US" altLang="zh-CN" sz="1600" dirty="0" smtClean="0">
                 <a:solidFill>
                   <a:srgbClr val="FF0000"/>
                 </a:solidFill>
               </a:rPr>
-              <a:t>d2*y1,</a:t>
+              <a:t>,</a:t>
             </a:r>
           </a:p>
           <a:p>
@@ -4176,17 +4174,59 @@
                   <a:srgbClr val="FF0000"/>
                 </a:solidFill>
               </a:rPr>
-              <a:t>d3*y1,</a:t>
-            </a:r>
-          </a:p>
-          <a:p>
+              <a:t>d2’*</a:t>
+            </a:r>
             <a:r>
               <a:rPr lang="en-US" altLang="zh-CN" sz="1600" dirty="0" smtClean="0">
                 <a:solidFill>
                   <a:srgbClr val="FF0000"/>
                 </a:solidFill>
               </a:rPr>
-              <a:t>d4*y1</a:t>
+              <a:t>y1,</a:t>
+            </a:r>
+          </a:p>
+          <a:p>
+            <a:r>
+              <a:rPr lang="en-US" altLang="zh-CN" sz="1600" dirty="0">
+                <a:solidFill>
+                  <a:srgbClr val="FF0000"/>
+                </a:solidFill>
+              </a:rPr>
+              <a:t>d</a:t>
+            </a:r>
+            <a:r>
+              <a:rPr lang="en-US" altLang="zh-CN" sz="1600" dirty="0" smtClean="0">
+                <a:solidFill>
+                  <a:srgbClr val="FF0000"/>
+                </a:solidFill>
+              </a:rPr>
+              <a:t>3’*</a:t>
+            </a:r>
+            <a:r>
+              <a:rPr lang="en-US" altLang="zh-CN" sz="1600" dirty="0" smtClean="0">
+                <a:solidFill>
+                  <a:srgbClr val="FF0000"/>
+                </a:solidFill>
+              </a:rPr>
+              <a:t>y1,</a:t>
+            </a:r>
+          </a:p>
+          <a:p>
+            <a:r>
+              <a:rPr lang="en-US" altLang="zh-CN" sz="1600" dirty="0" smtClean="0">
+                <a:solidFill>
+                  <a:srgbClr val="FF0000"/>
+                </a:solidFill>
+              </a:rPr>
+              <a:t>d4’*</a:t>
+            </a:r>
+            <a:r>
+              <a:rPr lang="en-US" altLang="zh-CN" sz="1600" dirty="0" smtClean="0">
+                <a:solidFill>
+                  <a:srgbClr val="FF0000"/>
+                </a:solidFill>
+              </a:rPr>
+              <a:t>y1</a:t>
             </a:r>
             <a:endParaRPr lang="zh-CN" altLang="en-US" sz="1600" dirty="0">
               <a:solidFill>
@@ -4254,7 +4294,15 @@
                     <a:srgbClr val="7030A0"/>
                   </a:solidFill>
                 </a:rPr>
-                <a:t>d2*y1</a:t>
+                <a:t>d2’*</a:t>
+              </a:r>
+              <a:r>
+                <a:rPr lang="en-US" altLang="zh-CN" sz="1200" dirty="0" smtClean="0">
+                  <a:solidFill>
+                    <a:srgbClr val="7030A0"/>
+                  </a:solidFill>
+                </a:rPr>
+                <a:t>y1</a:t>
               </a:r>
               <a:r>
                 <a:rPr lang="zh-CN" altLang="en-US" sz="1200" dirty="0" smtClean="0">
@@ -4526,8 +4574,19 @@
                 <a:latin typeface="黑体" panose="02010609060101010101" pitchFamily="49" charset="-122"/>
                 <a:ea typeface="黑体" panose="02010609060101010101" pitchFamily="49" charset="-122"/>
               </a:rPr>
-              <a:t>(d2)*y </a:t>
-            </a:r>
+              <a:t>(d2)*</a:t>
+            </a:r>
+            <a:r>
+              <a:rPr lang="en-US" altLang="zh-CN" sz="1400" dirty="0" smtClean="0">
+                <a:latin typeface="黑体" panose="02010609060101010101" pitchFamily="49" charset="-122"/>
+                <a:ea typeface="黑体" panose="02010609060101010101" pitchFamily="49" charset="-122"/>
+              </a:rPr>
+              <a:t>y1 </a:t>
+            </a:r>
+            <a:endParaRPr lang="en-US" altLang="zh-CN" sz="1400" dirty="0" smtClean="0">
+              <a:latin typeface="黑体" panose="02010609060101010101" pitchFamily="49" charset="-122"/>
+              <a:ea typeface="黑体" panose="02010609060101010101" pitchFamily="49" charset="-122"/>
+            </a:endParaRPr>
           </a:p>
           <a:p>
             <a:endParaRPr lang="en-US" altLang="zh-CN" sz="1400" dirty="0" smtClean="0">
